--- a/2_PHASE3_Requirements/docs/2.2 Requirements management in MATLAB_ES.pptx
+++ b/2_PHASE3_Requirements/docs/2.2 Requirements management in MATLAB_ES.pptx
@@ -319,7 +319,7 @@
           <a:p>
             <a:fld id="{DE2F9ED7-D9DF-9B4A-A1AC-9FBF0C9B1C8E}" type="datetime1">
               <a:rPr lang="es-ES" smtClean="0"/>
-              <a:t>08/10/2023</a:t>
+              <a:t>29/02/2024</a:t>
             </a:fld>
             <a:endParaRPr lang="en-US"/>
           </a:p>
@@ -489,7 +489,7 @@
           <a:p>
             <a:fld id="{FEDC53B6-CB23-B545-A702-0812837A95EA}" type="datetime1">
               <a:rPr lang="es-ES" smtClean="0"/>
-              <a:t>08/10/2023</a:t>
+              <a:t>29/02/2024</a:t>
             </a:fld>
             <a:endParaRPr lang="en-US"/>
           </a:p>
@@ -12831,6 +12831,52 @@
               <a:t>requisito</a:t>
             </a:r>
             <a:endParaRPr lang="es-ES" dirty="0"/>
+          </a:p>
+        </p:txBody>
+      </p:sp>
+      <p:sp>
+        <p:nvSpPr>
+          <p:cNvPr id="6" name="CuadroTexto 5">
+            <a:extLst>
+              <a:ext uri="{FF2B5EF4-FFF2-40B4-BE49-F238E27FC236}">
+                <a16:creationId xmlns:a16="http://schemas.microsoft.com/office/drawing/2014/main" id="{9D347565-D361-3B61-9975-58063DC8DFF3}"/>
+              </a:ext>
+            </a:extLst>
+          </p:cNvPr>
+          <p:cNvSpPr txBox="1"/>
+          <p:nvPr/>
+        </p:nvSpPr>
+        <p:spPr>
+          <a:xfrm>
+            <a:off x="4853579" y="3486863"/>
+            <a:ext cx="4572000" cy="369332"/>
+          </a:xfrm>
+          <a:prstGeom prst="rect">
+            <a:avLst/>
+          </a:prstGeom>
+          <a:noFill/>
+        </p:spPr>
+        <p:txBody>
+          <a:bodyPr wrap="square">
+            <a:spAutoFit/>
+          </a:bodyPr>
+          <a:lstStyle/>
+          <a:p>
+            <a:r>
+              <a:rPr lang="en-GB" dirty="0">
+                <a:latin typeface="Arial Nova Light" panose="020B0304020202020204" pitchFamily="34" charset="0"/>
+              </a:rPr>
+              <a:t>\documents\</a:t>
+            </a:r>
+            <a:r>
+              <a:rPr lang="en-GB" dirty="0" err="1">
+                <a:latin typeface="Arial Nova Light" panose="020B0304020202020204" pitchFamily="34" charset="0"/>
+              </a:rPr>
+              <a:t>crs_req_func_spec.slreqx</a:t>
+            </a:r>
+            <a:endParaRPr lang="en-GB" dirty="0">
+              <a:latin typeface="Arial Nova Light" panose="020B0304020202020204" pitchFamily="34" charset="0"/>
+            </a:endParaRPr>
           </a:p>
         </p:txBody>
       </p:sp>
@@ -19136,6 +19182,55 @@
           </a:prstGeom>
         </p:spPr>
       </p:pic>
+      <p:sp>
+        <p:nvSpPr>
+          <p:cNvPr id="6" name="CuadroTexto 5">
+            <a:extLst>
+              <a:ext uri="{FF2B5EF4-FFF2-40B4-BE49-F238E27FC236}">
+                <a16:creationId xmlns:a16="http://schemas.microsoft.com/office/drawing/2014/main" id="{CF2AB39C-D57E-77F7-EBE9-2AC47933B047}"/>
+              </a:ext>
+            </a:extLst>
+          </p:cNvPr>
+          <p:cNvSpPr txBox="1"/>
+          <p:nvPr/>
+        </p:nvSpPr>
+        <p:spPr>
+          <a:xfrm>
+            <a:off x="1609824" y="4730403"/>
+            <a:ext cx="4572000" cy="338554"/>
+          </a:xfrm>
+          <a:prstGeom prst="rect">
+            <a:avLst/>
+          </a:prstGeom>
+          <a:noFill/>
+        </p:spPr>
+        <p:txBody>
+          <a:bodyPr wrap="square">
+            <a:spAutoFit/>
+          </a:bodyPr>
+          <a:lstStyle/>
+          <a:p>
+            <a:r>
+              <a:rPr lang="en-GB" sz="1600" dirty="0">
+                <a:latin typeface="Arial Nova Light" panose="020B0304020202020204" pitchFamily="34" charset="0"/>
+                <a:cs typeface="Arial" panose="020B0604020202020204" pitchFamily="34" charset="0"/>
+              </a:rPr>
+              <a:t>\models\</a:t>
+            </a:r>
+            <a:r>
+              <a:rPr lang="en-GB" sz="1600" dirty="0" err="1">
+                <a:latin typeface="Arial Nova Light" panose="020B0304020202020204" pitchFamily="34" charset="0"/>
+                <a:cs typeface="Arial" panose="020B0604020202020204" pitchFamily="34" charset="0"/>
+              </a:rPr>
+              <a:t>crs_controller.slx</a:t>
+            </a:r>
+            <a:endParaRPr lang="en-GB" sz="1600" dirty="0">
+              <a:latin typeface="Arial Nova Light" panose="020B0304020202020204" pitchFamily="34" charset="0"/>
+              <a:cs typeface="Arial" panose="020B0604020202020204" pitchFamily="34" charset="0"/>
+            </a:endParaRPr>
+          </a:p>
+        </p:txBody>
+      </p:sp>
     </p:spTree>
     <p:extLst>
       <p:ext uri="{BB962C8B-B14F-4D97-AF65-F5344CB8AC3E}">
@@ -20714,6 +20809,52 @@
           </a:p>
         </p:txBody>
       </p:sp>
+      <p:sp>
+        <p:nvSpPr>
+          <p:cNvPr id="6" name="CuadroTexto 5">
+            <a:extLst>
+              <a:ext uri="{FF2B5EF4-FFF2-40B4-BE49-F238E27FC236}">
+                <a16:creationId xmlns:a16="http://schemas.microsoft.com/office/drawing/2014/main" id="{96ED5871-A95B-7470-73AC-425389BFFF3A}"/>
+              </a:ext>
+            </a:extLst>
+          </p:cNvPr>
+          <p:cNvSpPr txBox="1"/>
+          <p:nvPr/>
+        </p:nvSpPr>
+        <p:spPr>
+          <a:xfrm>
+            <a:off x="4254378" y="3336921"/>
+            <a:ext cx="4572000" cy="369332"/>
+          </a:xfrm>
+          <a:prstGeom prst="rect">
+            <a:avLst/>
+          </a:prstGeom>
+          <a:noFill/>
+        </p:spPr>
+        <p:txBody>
+          <a:bodyPr wrap="square">
+            <a:spAutoFit/>
+          </a:bodyPr>
+          <a:lstStyle/>
+          <a:p>
+            <a:r>
+              <a:rPr lang="en-GB" dirty="0">
+                <a:latin typeface="Arial Nova Light" panose="020B0304020202020204" pitchFamily="34" charset="0"/>
+              </a:rPr>
+              <a:t>\Tests\</a:t>
+            </a:r>
+            <a:r>
+              <a:rPr lang="en-GB" dirty="0" err="1">
+                <a:latin typeface="Arial Nova Light" panose="020B0304020202020204" pitchFamily="34" charset="0"/>
+              </a:rPr>
+              <a:t>DriverSwRequest_Tests.mldatx</a:t>
+            </a:r>
+            <a:endParaRPr lang="en-GB" dirty="0">
+              <a:latin typeface="Arial Nova Light" panose="020B0304020202020204" pitchFamily="34" charset="0"/>
+            </a:endParaRPr>
+          </a:p>
+        </p:txBody>
+      </p:sp>
     </p:spTree>
     <p:extLst>
       <p:ext uri="{BB962C8B-B14F-4D97-AF65-F5344CB8AC3E}">
@@ -21038,375 +21179,6 @@
           <a:chExt cx="0" cy="0"/>
         </a:xfrm>
       </p:grpSpPr>
-      <p:sp>
-        <p:nvSpPr>
-          <p:cNvPr id="2" name="Marcador de fecha 1">
-            <a:extLst>
-              <a:ext uri="{FF2B5EF4-FFF2-40B4-BE49-F238E27FC236}">
-                <a16:creationId xmlns:a16="http://schemas.microsoft.com/office/drawing/2014/main" id="{CE37D71A-0A95-48B6-91F7-6A96CCCEEC45}"/>
-              </a:ext>
-            </a:extLst>
-          </p:cNvPr>
-          <p:cNvSpPr>
-            <a:spLocks noGrp="1"/>
-          </p:cNvSpPr>
-          <p:nvPr>
-            <p:ph type="dt" sz="half" idx="10"/>
-          </p:nvPr>
-        </p:nvSpPr>
-        <p:spPr/>
-        <p:txBody>
-          <a:bodyPr/>
-          <a:lstStyle/>
-          <a:p>
-            <a:r>
-              <a:rPr lang="en-US"/>
-              <a:t>MSIE 2022-2023</a:t>
-            </a:r>
-            <a:endParaRPr lang="en-US" dirty="0"/>
-          </a:p>
-        </p:txBody>
-      </p:sp>
-      <p:sp>
-        <p:nvSpPr>
-          <p:cNvPr id="3" name="Marcador de pie de página 2">
-            <a:extLst>
-              <a:ext uri="{FF2B5EF4-FFF2-40B4-BE49-F238E27FC236}">
-                <a16:creationId xmlns:a16="http://schemas.microsoft.com/office/drawing/2014/main" id="{C65FDD1F-A088-42E9-99D0-10EDE0ED453B}"/>
-              </a:ext>
-            </a:extLst>
-          </p:cNvPr>
-          <p:cNvSpPr>
-            <a:spLocks noGrp="1"/>
-          </p:cNvSpPr>
-          <p:nvPr>
-            <p:ph type="ftr" sz="quarter" idx="11"/>
-          </p:nvPr>
-        </p:nvSpPr>
-        <p:spPr/>
-        <p:txBody>
-          <a:bodyPr/>
-          <a:lstStyle/>
-          <a:p>
-            <a:r>
-              <a:rPr lang="es-ES"/>
-              <a:t>Plataformas de testeo y validación - Gestión de requisitos en MATLAB</a:t>
-            </a:r>
-            <a:endParaRPr lang="en-US" dirty="0"/>
-          </a:p>
-        </p:txBody>
-      </p:sp>
-      <p:sp>
-        <p:nvSpPr>
-          <p:cNvPr id="4" name="Marcador de número de diapositiva 3">
-            <a:extLst>
-              <a:ext uri="{FF2B5EF4-FFF2-40B4-BE49-F238E27FC236}">
-                <a16:creationId xmlns:a16="http://schemas.microsoft.com/office/drawing/2014/main" id="{A1F6CFB1-B273-46C4-A51D-9E7A8C23BCFA}"/>
-              </a:ext>
-            </a:extLst>
-          </p:cNvPr>
-          <p:cNvSpPr>
-            <a:spLocks noGrp="1"/>
-          </p:cNvSpPr>
-          <p:nvPr>
-            <p:ph type="sldNum" sz="quarter" idx="12"/>
-          </p:nvPr>
-        </p:nvSpPr>
-        <p:spPr/>
-        <p:txBody>
-          <a:bodyPr/>
-          <a:lstStyle/>
-          <a:p>
-            <a:fld id="{F7356FEA-1119-414E-9BDA-0F3F06B9EA58}" type="slidenum">
-              <a:rPr lang="en-US" smtClean="0"/>
-              <a:pPr/>
-              <a:t>30</a:t>
-            </a:fld>
-            <a:endParaRPr lang="en-US"/>
-          </a:p>
-        </p:txBody>
-      </p:sp>
-      <p:sp>
-        <p:nvSpPr>
-          <p:cNvPr id="5" name="Título 4">
-            <a:extLst>
-              <a:ext uri="{FF2B5EF4-FFF2-40B4-BE49-F238E27FC236}">
-                <a16:creationId xmlns:a16="http://schemas.microsoft.com/office/drawing/2014/main" id="{401EA1E0-7A88-4E73-848C-16262141EDAD}"/>
-              </a:ext>
-            </a:extLst>
-          </p:cNvPr>
-          <p:cNvSpPr>
-            <a:spLocks noGrp="1"/>
-          </p:cNvSpPr>
-          <p:nvPr>
-            <p:ph type="title"/>
-          </p:nvPr>
-        </p:nvSpPr>
-        <p:spPr/>
-        <p:txBody>
-          <a:bodyPr/>
-          <a:lstStyle/>
-          <a:p>
-            <a:r>
-              <a:rPr lang="es-ES" dirty="0"/>
-              <a:t>Análisis de requisitos</a:t>
-            </a:r>
-          </a:p>
-        </p:txBody>
-      </p:sp>
-      <p:sp>
-        <p:nvSpPr>
-          <p:cNvPr id="8" name="Marcador de contenido 7">
-            <a:extLst>
-              <a:ext uri="{FF2B5EF4-FFF2-40B4-BE49-F238E27FC236}">
-                <a16:creationId xmlns:a16="http://schemas.microsoft.com/office/drawing/2014/main" id="{D3591743-E0F0-4145-AE42-5AB255F302E7}"/>
-              </a:ext>
-            </a:extLst>
-          </p:cNvPr>
-          <p:cNvSpPr>
-            <a:spLocks noGrp="1"/>
-          </p:cNvSpPr>
-          <p:nvPr>
-            <p:ph sz="quarter" idx="13"/>
-          </p:nvPr>
-        </p:nvSpPr>
-        <p:spPr>
-          <a:xfrm>
-            <a:off x="422032" y="1275347"/>
-            <a:ext cx="5759694" cy="4812716"/>
-          </a:xfrm>
-        </p:spPr>
-        <p:txBody>
-          <a:bodyPr>
-            <a:normAutofit/>
-          </a:bodyPr>
-          <a:lstStyle/>
-          <a:p>
-            <a:r>
-              <a:rPr lang="es-ES" dirty="0">
-                <a:solidFill>
-                  <a:schemeClr val="tx1"/>
-                </a:solidFill>
-                <a:latin typeface="Arial Nova Light" panose="020B0304020202020204" pitchFamily="34" charset="0"/>
-              </a:rPr>
-              <a:t>Durante el ciclo de vida se genera mucha información.</a:t>
-            </a:r>
-          </a:p>
-          <a:p>
-            <a:r>
-              <a:rPr lang="es-ES" dirty="0">
-                <a:solidFill>
-                  <a:schemeClr val="tx1"/>
-                </a:solidFill>
-                <a:latin typeface="Arial Nova Light" panose="020B0304020202020204" pitchFamily="34" charset="0"/>
-              </a:rPr>
-              <a:t>Formalmente, todas las herramientas/información se denominan artefactos.</a:t>
-            </a:r>
-            <a:endParaRPr lang="en-US" dirty="0">
-              <a:solidFill>
-                <a:schemeClr val="tx1"/>
-              </a:solidFill>
-              <a:latin typeface="Arial Nova Light" panose="020B0304020202020204" pitchFamily="34" charset="0"/>
-            </a:endParaRPr>
-          </a:p>
-          <a:p>
-            <a:endParaRPr lang="en-US" dirty="0">
-              <a:solidFill>
-                <a:schemeClr val="tx1"/>
-              </a:solidFill>
-              <a:latin typeface="Arial Nova Light" panose="020B0304020202020204" pitchFamily="34" charset="0"/>
-            </a:endParaRPr>
-          </a:p>
-          <a:p>
-            <a:endParaRPr lang="en-US" dirty="0">
-              <a:solidFill>
-                <a:schemeClr val="tx1"/>
-              </a:solidFill>
-              <a:latin typeface="Arial Nova Light" panose="020B0304020202020204" pitchFamily="34" charset="0"/>
-            </a:endParaRPr>
-          </a:p>
-          <a:p>
-            <a:endParaRPr lang="en-US" dirty="0">
-              <a:solidFill>
-                <a:schemeClr val="tx1"/>
-              </a:solidFill>
-              <a:latin typeface="Arial Nova Light" panose="020B0304020202020204" pitchFamily="34" charset="0"/>
-            </a:endParaRPr>
-          </a:p>
-          <a:p>
-            <a:endParaRPr lang="en-US" dirty="0">
-              <a:solidFill>
-                <a:schemeClr val="tx1"/>
-              </a:solidFill>
-              <a:latin typeface="Arial Nova Light" panose="020B0304020202020204" pitchFamily="34" charset="0"/>
-            </a:endParaRPr>
-          </a:p>
-          <a:p>
-            <a:endParaRPr lang="en-US" dirty="0">
-              <a:solidFill>
-                <a:schemeClr val="tx1"/>
-              </a:solidFill>
-              <a:latin typeface="Arial Nova Light" panose="020B0304020202020204" pitchFamily="34" charset="0"/>
-            </a:endParaRPr>
-          </a:p>
-          <a:p>
-            <a:endParaRPr lang="en-US" dirty="0">
-              <a:solidFill>
-                <a:schemeClr val="tx1"/>
-              </a:solidFill>
-              <a:latin typeface="Arial Nova Light" panose="020B0304020202020204" pitchFamily="34" charset="0"/>
-            </a:endParaRPr>
-          </a:p>
-          <a:p>
-            <a:endParaRPr lang="en-US" dirty="0">
-              <a:solidFill>
-                <a:schemeClr val="tx1"/>
-              </a:solidFill>
-              <a:latin typeface="Arial Nova Light" panose="020B0304020202020204" pitchFamily="34" charset="0"/>
-            </a:endParaRPr>
-          </a:p>
-          <a:p>
-            <a:endParaRPr lang="en-US" dirty="0">
-              <a:solidFill>
-                <a:schemeClr val="tx1"/>
-              </a:solidFill>
-              <a:latin typeface="Arial Nova Light" panose="020B0304020202020204" pitchFamily="34" charset="0"/>
-            </a:endParaRPr>
-          </a:p>
-          <a:p>
-            <a:endParaRPr lang="en-US" dirty="0">
-              <a:solidFill>
-                <a:schemeClr val="tx1"/>
-              </a:solidFill>
-              <a:latin typeface="Arial Nova Light" panose="020B0304020202020204" pitchFamily="34" charset="0"/>
-            </a:endParaRPr>
-          </a:p>
-          <a:p>
-            <a:endParaRPr lang="en-US" dirty="0">
-              <a:solidFill>
-                <a:schemeClr val="tx1"/>
-              </a:solidFill>
-              <a:latin typeface="Arial Nova Light" panose="020B0304020202020204" pitchFamily="34" charset="0"/>
-            </a:endParaRPr>
-          </a:p>
-          <a:p>
-            <a:endParaRPr lang="en-US" dirty="0">
-              <a:solidFill>
-                <a:schemeClr val="tx1"/>
-              </a:solidFill>
-              <a:latin typeface="Arial Nova Light" panose="020B0304020202020204" pitchFamily="34" charset="0"/>
-            </a:endParaRPr>
-          </a:p>
-          <a:p>
-            <a:endParaRPr lang="en-US" dirty="0">
-              <a:solidFill>
-                <a:schemeClr val="tx1"/>
-              </a:solidFill>
-              <a:latin typeface="Arial Nova Light" panose="020B0304020202020204" pitchFamily="34" charset="0"/>
-            </a:endParaRPr>
-          </a:p>
-          <a:p>
-            <a:endParaRPr lang="en-US" dirty="0">
-              <a:solidFill>
-                <a:schemeClr val="tx1"/>
-              </a:solidFill>
-              <a:latin typeface="Arial Nova Light" panose="020B0304020202020204" pitchFamily="34" charset="0"/>
-            </a:endParaRPr>
-          </a:p>
-          <a:p>
-            <a:pPr marL="0" indent="0">
-              <a:buNone/>
-            </a:pPr>
-            <a:endParaRPr lang="en-US" i="0" dirty="0">
-              <a:solidFill>
-                <a:schemeClr val="tx1"/>
-              </a:solidFill>
-              <a:effectLst/>
-              <a:latin typeface="Arial Nova Light" panose="020B0304020202020204" pitchFamily="34" charset="0"/>
-            </a:endParaRPr>
-          </a:p>
-          <a:p>
-            <a:pPr marL="0" indent="0">
-              <a:buNone/>
-            </a:pPr>
-            <a:endParaRPr lang="en-US" dirty="0">
-              <a:solidFill>
-                <a:schemeClr val="tx1"/>
-              </a:solidFill>
-              <a:latin typeface="Arial Nova Light" panose="020B0304020202020204" pitchFamily="34" charset="0"/>
-            </a:endParaRPr>
-          </a:p>
-          <a:p>
-            <a:pPr marL="0" indent="0">
-              <a:buNone/>
-            </a:pPr>
-            <a:endParaRPr lang="en-US" i="0" dirty="0">
-              <a:solidFill>
-                <a:schemeClr val="tx1"/>
-              </a:solidFill>
-              <a:effectLst/>
-              <a:latin typeface="Arial Nova Light" panose="020B0304020202020204" pitchFamily="34" charset="0"/>
-            </a:endParaRPr>
-          </a:p>
-          <a:p>
-            <a:pPr marL="0" indent="0">
-              <a:buNone/>
-            </a:pPr>
-            <a:endParaRPr lang="en-US" dirty="0">
-              <a:solidFill>
-                <a:schemeClr val="tx1"/>
-              </a:solidFill>
-              <a:latin typeface="Arial Nova Light" panose="020B0304020202020204" pitchFamily="34" charset="0"/>
-            </a:endParaRPr>
-          </a:p>
-          <a:p>
-            <a:pPr marL="0" indent="0">
-              <a:buNone/>
-            </a:pPr>
-            <a:endParaRPr lang="en-US" i="0" dirty="0">
-              <a:solidFill>
-                <a:schemeClr val="tx1"/>
-              </a:solidFill>
-              <a:effectLst/>
-              <a:latin typeface="Arial Nova Light" panose="020B0304020202020204" pitchFamily="34" charset="0"/>
-            </a:endParaRPr>
-          </a:p>
-          <a:p>
-            <a:pPr marL="0" indent="0">
-              <a:buNone/>
-            </a:pPr>
-            <a:endParaRPr lang="en-US" dirty="0">
-              <a:solidFill>
-                <a:schemeClr val="tx1"/>
-              </a:solidFill>
-              <a:latin typeface="Arial Nova Light" panose="020B0304020202020204" pitchFamily="34" charset="0"/>
-            </a:endParaRPr>
-          </a:p>
-          <a:p>
-            <a:pPr marL="0" indent="0">
-              <a:buNone/>
-            </a:pPr>
-            <a:endParaRPr lang="en-US" i="0" dirty="0">
-              <a:solidFill>
-                <a:schemeClr val="tx1"/>
-              </a:solidFill>
-              <a:effectLst/>
-              <a:latin typeface="Arial Nova Light" panose="020B0304020202020204" pitchFamily="34" charset="0"/>
-            </a:endParaRPr>
-          </a:p>
-          <a:p>
-            <a:pPr marL="0" indent="0">
-              <a:buNone/>
-            </a:pPr>
-            <a:endParaRPr lang="en-US" i="0" dirty="0">
-              <a:solidFill>
-                <a:srgbClr val="454545"/>
-              </a:solidFill>
-              <a:effectLst/>
-            </a:endParaRPr>
-          </a:p>
-        </p:txBody>
-      </p:sp>
       <p:pic>
         <p:nvPicPr>
           <p:cNvPr id="7" name="Imagen 6">
@@ -21437,12 +21209,41 @@
           </a:prstGeom>
         </p:spPr>
       </p:pic>
+      <p:sp>
+        <p:nvSpPr>
+          <p:cNvPr id="2" name="Marcador de fecha 1">
+            <a:extLst>
+              <a:ext uri="{FF2B5EF4-FFF2-40B4-BE49-F238E27FC236}">
+                <a16:creationId xmlns:a16="http://schemas.microsoft.com/office/drawing/2014/main" id="{CE37D71A-0A95-48B6-91F7-6A96CCCEEC45}"/>
+              </a:ext>
+            </a:extLst>
+          </p:cNvPr>
+          <p:cNvSpPr>
+            <a:spLocks noGrp="1"/>
+          </p:cNvSpPr>
+          <p:nvPr>
+            <p:ph type="dt" sz="half" idx="10"/>
+          </p:nvPr>
+        </p:nvSpPr>
+        <p:spPr/>
+        <p:txBody>
+          <a:bodyPr/>
+          <a:lstStyle/>
+          <a:p>
+            <a:r>
+              <a:rPr lang="en-US"/>
+              <a:t>MSIE 2022-2023</a:t>
+            </a:r>
+            <a:endParaRPr lang="en-US" dirty="0"/>
+          </a:p>
+        </p:txBody>
+      </p:sp>
       <p:pic>
         <p:nvPicPr>
-          <p:cNvPr id="9" name="Imagen 8">
-            <a:extLst>
-              <a:ext uri="{FF2B5EF4-FFF2-40B4-BE49-F238E27FC236}">
-                <a16:creationId xmlns:a16="http://schemas.microsoft.com/office/drawing/2014/main" id="{FCFFEB51-5EC2-4BC9-96CC-7A898774D90E}"/>
+          <p:cNvPr id="10" name="Imagen 9">
+            <a:extLst>
+              <a:ext uri="{FF2B5EF4-FFF2-40B4-BE49-F238E27FC236}">
+                <a16:creationId xmlns:a16="http://schemas.microsoft.com/office/drawing/2014/main" id="{3BE87DED-DB37-9358-A4FA-C4406F6910E8}"/>
               </a:ext>
             </a:extLst>
           </p:cNvPr>
@@ -21451,22 +21252,361 @@
           </p:cNvPicPr>
           <p:nvPr/>
         </p:nvPicPr>
-        <p:blipFill>
+        <p:blipFill rotWithShape="1">
           <a:blip r:embed="rId3"/>
-          <a:stretch>
-            <a:fillRect/>
-          </a:stretch>
+          <a:srcRect r="34754"/>
+          <a:stretch/>
         </p:blipFill>
         <p:spPr>
           <a:xfrm>
-            <a:off x="6338489" y="1452013"/>
-            <a:ext cx="2543175" cy="4933950"/>
+            <a:off x="6773241" y="1391583"/>
+            <a:ext cx="2361916" cy="4696480"/>
           </a:xfrm>
           <a:prstGeom prst="rect">
             <a:avLst/>
           </a:prstGeom>
         </p:spPr>
       </p:pic>
+      <p:sp>
+        <p:nvSpPr>
+          <p:cNvPr id="3" name="Marcador de pie de página 2">
+            <a:extLst>
+              <a:ext uri="{FF2B5EF4-FFF2-40B4-BE49-F238E27FC236}">
+                <a16:creationId xmlns:a16="http://schemas.microsoft.com/office/drawing/2014/main" id="{C65FDD1F-A088-42E9-99D0-10EDE0ED453B}"/>
+              </a:ext>
+            </a:extLst>
+          </p:cNvPr>
+          <p:cNvSpPr>
+            <a:spLocks noGrp="1"/>
+          </p:cNvSpPr>
+          <p:nvPr>
+            <p:ph type="ftr" sz="quarter" idx="11"/>
+          </p:nvPr>
+        </p:nvSpPr>
+        <p:spPr/>
+        <p:txBody>
+          <a:bodyPr/>
+          <a:lstStyle/>
+          <a:p>
+            <a:r>
+              <a:rPr lang="es-ES"/>
+              <a:t>Plataformas de testeo y validación - Gestión de requisitos en MATLAB</a:t>
+            </a:r>
+            <a:endParaRPr lang="en-US" dirty="0"/>
+          </a:p>
+        </p:txBody>
+      </p:sp>
+      <p:sp>
+        <p:nvSpPr>
+          <p:cNvPr id="4" name="Marcador de número de diapositiva 3">
+            <a:extLst>
+              <a:ext uri="{FF2B5EF4-FFF2-40B4-BE49-F238E27FC236}">
+                <a16:creationId xmlns:a16="http://schemas.microsoft.com/office/drawing/2014/main" id="{A1F6CFB1-B273-46C4-A51D-9E7A8C23BCFA}"/>
+              </a:ext>
+            </a:extLst>
+          </p:cNvPr>
+          <p:cNvSpPr>
+            <a:spLocks noGrp="1"/>
+          </p:cNvSpPr>
+          <p:nvPr>
+            <p:ph type="sldNum" sz="quarter" idx="12"/>
+          </p:nvPr>
+        </p:nvSpPr>
+        <p:spPr/>
+        <p:txBody>
+          <a:bodyPr/>
+          <a:lstStyle/>
+          <a:p>
+            <a:fld id="{F7356FEA-1119-414E-9BDA-0F3F06B9EA58}" type="slidenum">
+              <a:rPr lang="en-US" smtClean="0"/>
+              <a:pPr/>
+              <a:t>30</a:t>
+            </a:fld>
+            <a:endParaRPr lang="en-US"/>
+          </a:p>
+        </p:txBody>
+      </p:sp>
+      <p:sp>
+        <p:nvSpPr>
+          <p:cNvPr id="5" name="Título 4">
+            <a:extLst>
+              <a:ext uri="{FF2B5EF4-FFF2-40B4-BE49-F238E27FC236}">
+                <a16:creationId xmlns:a16="http://schemas.microsoft.com/office/drawing/2014/main" id="{401EA1E0-7A88-4E73-848C-16262141EDAD}"/>
+              </a:ext>
+            </a:extLst>
+          </p:cNvPr>
+          <p:cNvSpPr>
+            <a:spLocks noGrp="1"/>
+          </p:cNvSpPr>
+          <p:nvPr>
+            <p:ph type="title"/>
+          </p:nvPr>
+        </p:nvSpPr>
+        <p:spPr/>
+        <p:txBody>
+          <a:bodyPr/>
+          <a:lstStyle/>
+          <a:p>
+            <a:r>
+              <a:rPr lang="es-ES" dirty="0"/>
+              <a:t>Análisis de requisitos</a:t>
+            </a:r>
+          </a:p>
+        </p:txBody>
+      </p:sp>
+      <p:sp>
+        <p:nvSpPr>
+          <p:cNvPr id="8" name="Marcador de contenido 7">
+            <a:extLst>
+              <a:ext uri="{FF2B5EF4-FFF2-40B4-BE49-F238E27FC236}">
+                <a16:creationId xmlns:a16="http://schemas.microsoft.com/office/drawing/2014/main" id="{D3591743-E0F0-4145-AE42-5AB255F302E7}"/>
+              </a:ext>
+            </a:extLst>
+          </p:cNvPr>
+          <p:cNvSpPr>
+            <a:spLocks noGrp="1"/>
+          </p:cNvSpPr>
+          <p:nvPr>
+            <p:ph sz="quarter" idx="13"/>
+          </p:nvPr>
+        </p:nvSpPr>
+        <p:spPr>
+          <a:xfrm>
+            <a:off x="422032" y="1275347"/>
+            <a:ext cx="5759694" cy="4812716"/>
+          </a:xfrm>
+        </p:spPr>
+        <p:txBody>
+          <a:bodyPr>
+            <a:normAutofit/>
+          </a:bodyPr>
+          <a:lstStyle/>
+          <a:p>
+            <a:r>
+              <a:rPr lang="es-ES" dirty="0">
+                <a:solidFill>
+                  <a:schemeClr val="tx1"/>
+                </a:solidFill>
+                <a:latin typeface="Arial Nova Light" panose="020B0304020202020204" pitchFamily="34" charset="0"/>
+              </a:rPr>
+              <a:t>Durante el ciclo de vida se genera mucha información.</a:t>
+            </a:r>
+          </a:p>
+          <a:p>
+            <a:r>
+              <a:rPr lang="es-ES" dirty="0">
+                <a:solidFill>
+                  <a:schemeClr val="tx1"/>
+                </a:solidFill>
+                <a:latin typeface="Arial Nova Light" panose="020B0304020202020204" pitchFamily="34" charset="0"/>
+              </a:rPr>
+              <a:t>Formalmente, todas las herramientas/información se denominan artefactos.</a:t>
+            </a:r>
+            <a:endParaRPr lang="en-US" dirty="0">
+              <a:solidFill>
+                <a:schemeClr val="tx1"/>
+              </a:solidFill>
+              <a:latin typeface="Arial Nova Light" panose="020B0304020202020204" pitchFamily="34" charset="0"/>
+            </a:endParaRPr>
+          </a:p>
+          <a:p>
+            <a:endParaRPr lang="en-US" dirty="0">
+              <a:solidFill>
+                <a:schemeClr val="tx1"/>
+              </a:solidFill>
+              <a:latin typeface="Arial Nova Light" panose="020B0304020202020204" pitchFamily="34" charset="0"/>
+            </a:endParaRPr>
+          </a:p>
+          <a:p>
+            <a:endParaRPr lang="en-US" dirty="0">
+              <a:solidFill>
+                <a:schemeClr val="tx1"/>
+              </a:solidFill>
+              <a:latin typeface="Arial Nova Light" panose="020B0304020202020204" pitchFamily="34" charset="0"/>
+            </a:endParaRPr>
+          </a:p>
+          <a:p>
+            <a:endParaRPr lang="en-US" dirty="0">
+              <a:solidFill>
+                <a:schemeClr val="tx1"/>
+              </a:solidFill>
+              <a:latin typeface="Arial Nova Light" panose="020B0304020202020204" pitchFamily="34" charset="0"/>
+            </a:endParaRPr>
+          </a:p>
+          <a:p>
+            <a:endParaRPr lang="en-US" dirty="0">
+              <a:solidFill>
+                <a:schemeClr val="tx1"/>
+              </a:solidFill>
+              <a:latin typeface="Arial Nova Light" panose="020B0304020202020204" pitchFamily="34" charset="0"/>
+            </a:endParaRPr>
+          </a:p>
+          <a:p>
+            <a:endParaRPr lang="en-US" dirty="0">
+              <a:solidFill>
+                <a:schemeClr val="tx1"/>
+              </a:solidFill>
+              <a:latin typeface="Arial Nova Light" panose="020B0304020202020204" pitchFamily="34" charset="0"/>
+            </a:endParaRPr>
+          </a:p>
+          <a:p>
+            <a:endParaRPr lang="en-US" dirty="0">
+              <a:solidFill>
+                <a:schemeClr val="tx1"/>
+              </a:solidFill>
+              <a:latin typeface="Arial Nova Light" panose="020B0304020202020204" pitchFamily="34" charset="0"/>
+            </a:endParaRPr>
+          </a:p>
+          <a:p>
+            <a:endParaRPr lang="en-US" dirty="0">
+              <a:solidFill>
+                <a:schemeClr val="tx1"/>
+              </a:solidFill>
+              <a:latin typeface="Arial Nova Light" panose="020B0304020202020204" pitchFamily="34" charset="0"/>
+            </a:endParaRPr>
+          </a:p>
+          <a:p>
+            <a:endParaRPr lang="en-US" dirty="0">
+              <a:solidFill>
+                <a:schemeClr val="tx1"/>
+              </a:solidFill>
+              <a:latin typeface="Arial Nova Light" panose="020B0304020202020204" pitchFamily="34" charset="0"/>
+            </a:endParaRPr>
+          </a:p>
+          <a:p>
+            <a:endParaRPr lang="en-US" dirty="0">
+              <a:solidFill>
+                <a:schemeClr val="tx1"/>
+              </a:solidFill>
+              <a:latin typeface="Arial Nova Light" panose="020B0304020202020204" pitchFamily="34" charset="0"/>
+            </a:endParaRPr>
+          </a:p>
+          <a:p>
+            <a:endParaRPr lang="en-US" dirty="0">
+              <a:solidFill>
+                <a:schemeClr val="tx1"/>
+              </a:solidFill>
+              <a:latin typeface="Arial Nova Light" panose="020B0304020202020204" pitchFamily="34" charset="0"/>
+            </a:endParaRPr>
+          </a:p>
+          <a:p>
+            <a:endParaRPr lang="en-US" dirty="0">
+              <a:solidFill>
+                <a:schemeClr val="tx1"/>
+              </a:solidFill>
+              <a:latin typeface="Arial Nova Light" panose="020B0304020202020204" pitchFamily="34" charset="0"/>
+            </a:endParaRPr>
+          </a:p>
+          <a:p>
+            <a:endParaRPr lang="en-US" dirty="0">
+              <a:solidFill>
+                <a:schemeClr val="tx1"/>
+              </a:solidFill>
+              <a:latin typeface="Arial Nova Light" panose="020B0304020202020204" pitchFamily="34" charset="0"/>
+            </a:endParaRPr>
+          </a:p>
+          <a:p>
+            <a:endParaRPr lang="en-US" dirty="0">
+              <a:solidFill>
+                <a:schemeClr val="tx1"/>
+              </a:solidFill>
+              <a:latin typeface="Arial Nova Light" panose="020B0304020202020204" pitchFamily="34" charset="0"/>
+            </a:endParaRPr>
+          </a:p>
+          <a:p>
+            <a:pPr marL="0" indent="0">
+              <a:buNone/>
+            </a:pPr>
+            <a:endParaRPr lang="en-US" i="0" dirty="0">
+              <a:solidFill>
+                <a:schemeClr val="tx1"/>
+              </a:solidFill>
+              <a:effectLst/>
+              <a:latin typeface="Arial Nova Light" panose="020B0304020202020204" pitchFamily="34" charset="0"/>
+            </a:endParaRPr>
+          </a:p>
+          <a:p>
+            <a:pPr marL="0" indent="0">
+              <a:buNone/>
+            </a:pPr>
+            <a:endParaRPr lang="en-US" dirty="0">
+              <a:solidFill>
+                <a:schemeClr val="tx1"/>
+              </a:solidFill>
+              <a:latin typeface="Arial Nova Light" panose="020B0304020202020204" pitchFamily="34" charset="0"/>
+            </a:endParaRPr>
+          </a:p>
+          <a:p>
+            <a:pPr marL="0" indent="0">
+              <a:buNone/>
+            </a:pPr>
+            <a:endParaRPr lang="en-US" i="0" dirty="0">
+              <a:solidFill>
+                <a:schemeClr val="tx1"/>
+              </a:solidFill>
+              <a:effectLst/>
+              <a:latin typeface="Arial Nova Light" panose="020B0304020202020204" pitchFamily="34" charset="0"/>
+            </a:endParaRPr>
+          </a:p>
+          <a:p>
+            <a:pPr marL="0" indent="0">
+              <a:buNone/>
+            </a:pPr>
+            <a:endParaRPr lang="en-US" dirty="0">
+              <a:solidFill>
+                <a:schemeClr val="tx1"/>
+              </a:solidFill>
+              <a:latin typeface="Arial Nova Light" panose="020B0304020202020204" pitchFamily="34" charset="0"/>
+            </a:endParaRPr>
+          </a:p>
+          <a:p>
+            <a:pPr marL="0" indent="0">
+              <a:buNone/>
+            </a:pPr>
+            <a:endParaRPr lang="en-US" i="0" dirty="0">
+              <a:solidFill>
+                <a:schemeClr val="tx1"/>
+              </a:solidFill>
+              <a:effectLst/>
+              <a:latin typeface="Arial Nova Light" panose="020B0304020202020204" pitchFamily="34" charset="0"/>
+            </a:endParaRPr>
+          </a:p>
+          <a:p>
+            <a:pPr marL="0" indent="0">
+              <a:buNone/>
+            </a:pPr>
+            <a:endParaRPr lang="en-US" dirty="0">
+              <a:solidFill>
+                <a:schemeClr val="tx1"/>
+              </a:solidFill>
+              <a:latin typeface="Arial Nova Light" panose="020B0304020202020204" pitchFamily="34" charset="0"/>
+            </a:endParaRPr>
+          </a:p>
+          <a:p>
+            <a:pPr marL="0" indent="0">
+              <a:buNone/>
+            </a:pPr>
+            <a:endParaRPr lang="en-US" i="0" dirty="0">
+              <a:solidFill>
+                <a:schemeClr val="tx1"/>
+              </a:solidFill>
+              <a:effectLst/>
+              <a:latin typeface="Arial Nova Light" panose="020B0304020202020204" pitchFamily="34" charset="0"/>
+            </a:endParaRPr>
+          </a:p>
+          <a:p>
+            <a:pPr marL="0" indent="0">
+              <a:buNone/>
+            </a:pPr>
+            <a:endParaRPr lang="en-US" i="0" dirty="0">
+              <a:solidFill>
+                <a:srgbClr val="454545"/>
+              </a:solidFill>
+              <a:effectLst/>
+            </a:endParaRPr>
+          </a:p>
+        </p:txBody>
+      </p:sp>
       <p:cxnSp>
         <p:nvCxnSpPr>
           <p:cNvPr id="13" name="Conector recto de flecha 12">
@@ -21483,8 +21623,8 @@
         </p:nvCxnSpPr>
         <p:spPr>
           <a:xfrm flipH="1">
-            <a:off x="1990725" y="2266491"/>
-            <a:ext cx="4662489" cy="1781634"/>
+            <a:off x="1990725" y="2191269"/>
+            <a:ext cx="4782516" cy="1856856"/>
           </a:xfrm>
           <a:prstGeom prst="straightConnector1">
             <a:avLst/>
@@ -21525,7 +21665,7 @@
         <p:spPr>
           <a:xfrm flipH="1">
             <a:off x="2805513" y="3019613"/>
-            <a:ext cx="3738162" cy="1580331"/>
+            <a:ext cx="4142548" cy="1580331"/>
           </a:xfrm>
           <a:prstGeom prst="straightConnector1">
             <a:avLst/>
@@ -21565,8 +21705,8 @@
         </p:nvCxnSpPr>
         <p:spPr>
           <a:xfrm flipH="1">
-            <a:off x="5067300" y="3918988"/>
-            <a:ext cx="1528740" cy="634850"/>
+            <a:off x="5067300" y="4407544"/>
+            <a:ext cx="1880761" cy="146294"/>
           </a:xfrm>
           <a:prstGeom prst="straightConnector1">
             <a:avLst/>
@@ -21607,48 +21747,7 @@
         <p:spPr>
           <a:xfrm flipH="1" flipV="1">
             <a:off x="2876550" y="4670640"/>
-            <a:ext cx="3666911" cy="291043"/>
-          </a:xfrm>
-          <a:prstGeom prst="straightConnector1">
-            <a:avLst/>
-          </a:prstGeom>
-          <a:ln>
-            <a:tailEnd type="triangle"/>
-          </a:ln>
-        </p:spPr>
-        <p:style>
-          <a:lnRef idx="2">
-            <a:schemeClr val="accent5"/>
-          </a:lnRef>
-          <a:fillRef idx="0">
-            <a:schemeClr val="accent5"/>
-          </a:fillRef>
-          <a:effectRef idx="1">
-            <a:schemeClr val="accent5"/>
-          </a:effectRef>
-          <a:fontRef idx="minor">
-            <a:schemeClr val="tx1"/>
-          </a:fontRef>
-        </p:style>
-      </p:cxnSp>
-      <p:cxnSp>
-        <p:nvCxnSpPr>
-          <p:cNvPr id="21" name="Conector recto de flecha 20">
-            <a:extLst>
-              <a:ext uri="{FF2B5EF4-FFF2-40B4-BE49-F238E27FC236}">
-                <a16:creationId xmlns:a16="http://schemas.microsoft.com/office/drawing/2014/main" id="{05442A7C-9961-4CC4-B69B-CFEA46EC3EBE}"/>
-              </a:ext>
-            </a:extLst>
-          </p:cNvPr>
-          <p:cNvCxnSpPr>
-            <a:cxnSpLocks/>
-          </p:cNvCxnSpPr>
-          <p:nvPr/>
-        </p:nvCxnSpPr>
-        <p:spPr>
-          <a:xfrm flipH="1" flipV="1">
-            <a:off x="3876675" y="5465801"/>
-            <a:ext cx="2571750" cy="351716"/>
+            <a:ext cx="3896691" cy="551819"/>
           </a:xfrm>
           <a:prstGeom prst="straightConnector1">
             <a:avLst/>
@@ -22175,12 +22274,57 @@
           </a:p>
         </p:txBody>
       </p:sp>
+      <p:sp>
+        <p:nvSpPr>
+          <p:cNvPr id="11" name="CuadroTexto 10">
+            <a:extLst>
+              <a:ext uri="{FF2B5EF4-FFF2-40B4-BE49-F238E27FC236}">
+                <a16:creationId xmlns:a16="http://schemas.microsoft.com/office/drawing/2014/main" id="{369AF91D-5225-43E8-B459-37F0592FBCD2}"/>
+              </a:ext>
+            </a:extLst>
+          </p:cNvPr>
+          <p:cNvSpPr txBox="1"/>
+          <p:nvPr/>
+        </p:nvSpPr>
+        <p:spPr>
+          <a:xfrm rot="16200000">
+            <a:off x="1585667" y="3161035"/>
+            <a:ext cx="1539387" cy="369332"/>
+          </a:xfrm>
+          <a:prstGeom prst="rect">
+            <a:avLst/>
+          </a:prstGeom>
+          <a:noFill/>
+        </p:spPr>
+        <p:txBody>
+          <a:bodyPr wrap="square">
+            <a:spAutoFit/>
+          </a:bodyPr>
+          <a:lstStyle/>
+          <a:p>
+            <a:r>
+              <a:rPr lang="en-US" dirty="0" err="1">
+                <a:solidFill>
+                  <a:srgbClr val="C90026"/>
+                </a:solidFill>
+                <a:latin typeface="Arial Nova Light" panose="020B0304020202020204" pitchFamily="34" charset="0"/>
+              </a:rPr>
+              <a:t>Requisitos</a:t>
+            </a:r>
+            <a:endParaRPr lang="es-ES" dirty="0">
+              <a:solidFill>
+                <a:srgbClr val="C90026"/>
+              </a:solidFill>
+            </a:endParaRPr>
+          </a:p>
+        </p:txBody>
+      </p:sp>
       <p:pic>
         <p:nvPicPr>
-          <p:cNvPr id="15" name="Imagen 14">
-            <a:extLst>
-              <a:ext uri="{FF2B5EF4-FFF2-40B4-BE49-F238E27FC236}">
-                <a16:creationId xmlns:a16="http://schemas.microsoft.com/office/drawing/2014/main" id="{3E96CFB5-467E-4E6F-A918-5C314F00F16A}"/>
+          <p:cNvPr id="6" name="Imagen 5">
+            <a:extLst>
+              <a:ext uri="{FF2B5EF4-FFF2-40B4-BE49-F238E27FC236}">
+                <a16:creationId xmlns:a16="http://schemas.microsoft.com/office/drawing/2014/main" id="{A74DCFFD-2D9F-8B32-A8B1-F4A28F32B984}"/>
               </a:ext>
             </a:extLst>
           </p:cNvPr>
@@ -22197,7 +22341,7 @@
         </p:blipFill>
         <p:spPr>
           <a:xfrm>
-            <a:off x="5019675" y="312826"/>
+            <a:off x="4784285" y="335565"/>
             <a:ext cx="704850" cy="828675"/>
           </a:xfrm>
           <a:prstGeom prst="rect">
@@ -22207,10 +22351,10 @@
       </p:pic>
       <p:sp>
         <p:nvSpPr>
-          <p:cNvPr id="11" name="CuadroTexto 10">
-            <a:extLst>
-              <a:ext uri="{FF2B5EF4-FFF2-40B4-BE49-F238E27FC236}">
-                <a16:creationId xmlns:a16="http://schemas.microsoft.com/office/drawing/2014/main" id="{369AF91D-5225-43E8-B459-37F0592FBCD2}"/>
+          <p:cNvPr id="7" name="CuadroTexto 6">
+            <a:extLst>
+              <a:ext uri="{FF2B5EF4-FFF2-40B4-BE49-F238E27FC236}">
+                <a16:creationId xmlns:a16="http://schemas.microsoft.com/office/drawing/2014/main" id="{BA5A8594-B170-CE99-64D5-FB6357CAF703}"/>
               </a:ext>
             </a:extLst>
           </p:cNvPr>
@@ -22218,9 +22362,9 @@
           <p:nvPr/>
         </p:nvSpPr>
         <p:spPr>
-          <a:xfrm rot="16200000">
-            <a:off x="1585667" y="3161035"/>
-            <a:ext cx="1539387" cy="369332"/>
+          <a:xfrm>
+            <a:off x="5421093" y="372805"/>
+            <a:ext cx="2733675" cy="954107"/>
           </a:xfrm>
           <a:prstGeom prst="rect">
             <a:avLst/>
@@ -22234,18 +22378,37 @@
           <a:lstStyle/>
           <a:p>
             <a:r>
-              <a:rPr lang="en-US" dirty="0" err="1">
-                <a:solidFill>
-                  <a:srgbClr val="C90026"/>
+              <a:rPr lang="es-ES" sz="1400" dirty="0">
+                <a:solidFill>
+                  <a:schemeClr val="tx1"/>
                 </a:solidFill>
                 <a:latin typeface="Arial Nova Light" panose="020B0304020202020204" pitchFamily="34" charset="0"/>
               </a:rPr>
-              <a:t>Requisitos</a:t>
-            </a:r>
-            <a:endParaRPr lang="es-ES" dirty="0">
-              <a:solidFill>
-                <a:srgbClr val="C90026"/>
-              </a:solidFill>
+              <a:t>Configura la matriz de trazabilidad en el </a:t>
+            </a:r>
+            <a:r>
+              <a:rPr lang="es-ES" sz="1400" dirty="0" err="1">
+                <a:solidFill>
+                  <a:schemeClr val="tx1"/>
+                </a:solidFill>
+                <a:latin typeface="Arial Nova Light" panose="020B0304020202020204" pitchFamily="34" charset="0"/>
+              </a:rPr>
+              <a:t>Requirements</a:t>
+            </a:r>
+            <a:r>
+              <a:rPr lang="es-ES" sz="1400" dirty="0">
+                <a:solidFill>
+                  <a:schemeClr val="tx1"/>
+                </a:solidFill>
+                <a:latin typeface="Arial Nova Light" panose="020B0304020202020204" pitchFamily="34" charset="0"/>
+              </a:rPr>
+              <a:t> Editor con los dos conjuntos de requisitos</a:t>
+            </a:r>
+            <a:endParaRPr lang="en-US" sz="1400" dirty="0">
+              <a:solidFill>
+                <a:schemeClr val="tx1"/>
+              </a:solidFill>
+              <a:latin typeface="Arial Nova Light" panose="020B0304020202020204" pitchFamily="34" charset="0"/>
             </a:endParaRPr>
           </a:p>
         </p:txBody>
@@ -22733,12 +22896,62 @@
           </a:p>
         </p:txBody>
       </p:sp>
+      <p:sp>
+        <p:nvSpPr>
+          <p:cNvPr id="12" name="CuadroTexto 11">
+            <a:extLst>
+              <a:ext uri="{FF2B5EF4-FFF2-40B4-BE49-F238E27FC236}">
+                <a16:creationId xmlns:a16="http://schemas.microsoft.com/office/drawing/2014/main" id="{1BBF7DE1-88D6-4147-8A3E-66CB511A702C}"/>
+              </a:ext>
+            </a:extLst>
+          </p:cNvPr>
+          <p:cNvSpPr txBox="1"/>
+          <p:nvPr/>
+        </p:nvSpPr>
+        <p:spPr>
+          <a:xfrm rot="16200000">
+            <a:off x="2140895" y="2965165"/>
+            <a:ext cx="2015035" cy="369332"/>
+          </a:xfrm>
+          <a:prstGeom prst="rect">
+            <a:avLst/>
+          </a:prstGeom>
+          <a:noFill/>
+        </p:spPr>
+        <p:txBody>
+          <a:bodyPr wrap="square">
+            <a:spAutoFit/>
+          </a:bodyPr>
+          <a:lstStyle/>
+          <a:p>
+            <a:r>
+              <a:rPr lang="en-US" dirty="0" err="1">
+                <a:solidFill>
+                  <a:srgbClr val="C90026"/>
+                </a:solidFill>
+                <a:latin typeface="Arial Nova Light" panose="020B0304020202020204" pitchFamily="34" charset="0"/>
+              </a:rPr>
+              <a:t>Modelos</a:t>
+            </a:r>
+            <a:r>
+              <a:rPr lang="en-US" dirty="0">
+                <a:solidFill>
+                  <a:srgbClr val="C90026"/>
+                </a:solidFill>
+                <a:latin typeface="Arial Nova Light" panose="020B0304020202020204" pitchFamily="34" charset="0"/>
+              </a:rPr>
+              <a:t> Simulink</a:t>
+            </a:r>
+            <a:endParaRPr lang="es-ES" dirty="0"/>
+          </a:p>
+        </p:txBody>
+      </p:sp>
       <p:pic>
         <p:nvPicPr>
-          <p:cNvPr id="11" name="Imagen 10">
-            <a:extLst>
-              <a:ext uri="{FF2B5EF4-FFF2-40B4-BE49-F238E27FC236}">
-                <a16:creationId xmlns:a16="http://schemas.microsoft.com/office/drawing/2014/main" id="{C6249F09-65A2-4894-BF5F-4D80ED31C00A}"/>
+          <p:cNvPr id="6" name="Imagen 5">
+            <a:extLst>
+              <a:ext uri="{FF2B5EF4-FFF2-40B4-BE49-F238E27FC236}">
+                <a16:creationId xmlns:a16="http://schemas.microsoft.com/office/drawing/2014/main" id="{D4A8EB2C-51D0-DAED-35F6-85D6114B2DD6}"/>
               </a:ext>
             </a:extLst>
           </p:cNvPr>
@@ -22755,7 +22968,7 @@
         </p:blipFill>
         <p:spPr>
           <a:xfrm>
-            <a:off x="5019675" y="312826"/>
+            <a:off x="4784285" y="335565"/>
             <a:ext cx="704850" cy="828675"/>
           </a:xfrm>
           <a:prstGeom prst="rect">
@@ -22765,10 +22978,10 @@
       </p:pic>
       <p:sp>
         <p:nvSpPr>
-          <p:cNvPr id="12" name="CuadroTexto 11">
-            <a:extLst>
-              <a:ext uri="{FF2B5EF4-FFF2-40B4-BE49-F238E27FC236}">
-                <a16:creationId xmlns:a16="http://schemas.microsoft.com/office/drawing/2014/main" id="{1BBF7DE1-88D6-4147-8A3E-66CB511A702C}"/>
+          <p:cNvPr id="10" name="CuadroTexto 9">
+            <a:extLst>
+              <a:ext uri="{FF2B5EF4-FFF2-40B4-BE49-F238E27FC236}">
+                <a16:creationId xmlns:a16="http://schemas.microsoft.com/office/drawing/2014/main" id="{0D1AD941-8B88-DECD-F9AF-C3473C98C5A6}"/>
               </a:ext>
             </a:extLst>
           </p:cNvPr>
@@ -22776,9 +22989,9 @@
           <p:nvPr/>
         </p:nvSpPr>
         <p:spPr>
-          <a:xfrm rot="16200000">
-            <a:off x="2140895" y="2965165"/>
-            <a:ext cx="2015035" cy="369332"/>
+          <a:xfrm>
+            <a:off x="5421093" y="372805"/>
+            <a:ext cx="2733675" cy="954107"/>
           </a:xfrm>
           <a:prstGeom prst="rect">
             <a:avLst/>
@@ -22792,24 +23005,38 @@
           <a:lstStyle/>
           <a:p>
             <a:r>
-              <a:rPr lang="en-US" dirty="0" err="1">
-                <a:solidFill>
-                  <a:srgbClr val="C90026"/>
+              <a:rPr lang="es-ES" sz="1400" dirty="0">
+                <a:solidFill>
+                  <a:schemeClr val="tx1"/>
                 </a:solidFill>
                 <a:latin typeface="Arial Nova Light" panose="020B0304020202020204" pitchFamily="34" charset="0"/>
               </a:rPr>
-              <a:t>Modelos</a:t>
-            </a:r>
-            <a:r>
-              <a:rPr lang="en-US" dirty="0">
-                <a:solidFill>
-                  <a:srgbClr val="C90026"/>
+              <a:t>Configura la matriz de trazabilidad en el </a:t>
+            </a:r>
+            <a:r>
+              <a:rPr lang="es-ES" sz="1400" dirty="0" err="1">
+                <a:solidFill>
+                  <a:schemeClr val="tx1"/>
                 </a:solidFill>
                 <a:latin typeface="Arial Nova Light" panose="020B0304020202020204" pitchFamily="34" charset="0"/>
               </a:rPr>
-              <a:t> Simulink</a:t>
-            </a:r>
-            <a:endParaRPr lang="es-ES" dirty="0"/>
+              <a:t>Requirements</a:t>
+            </a:r>
+            <a:r>
+              <a:rPr lang="es-ES" sz="1400" dirty="0">
+                <a:solidFill>
+                  <a:schemeClr val="tx1"/>
+                </a:solidFill>
+                <a:latin typeface="Arial Nova Light" panose="020B0304020202020204" pitchFamily="34" charset="0"/>
+              </a:rPr>
+              <a:t> Editor con los dos conjuntos de requisitos</a:t>
+            </a:r>
+            <a:endParaRPr lang="en-US" sz="1400" dirty="0">
+              <a:solidFill>
+                <a:schemeClr val="tx1"/>
+              </a:solidFill>
+              <a:latin typeface="Arial Nova Light" panose="020B0304020202020204" pitchFamily="34" charset="0"/>
+            </a:endParaRPr>
           </a:p>
         </p:txBody>
       </p:sp>
@@ -23365,6 +23592,91 @@
               <a:t>Tests</a:t>
             </a:r>
             <a:endParaRPr lang="es-ES" dirty="0"/>
+          </a:p>
+        </p:txBody>
+      </p:sp>
+      <p:pic>
+        <p:nvPicPr>
+          <p:cNvPr id="6" name="Imagen 5">
+            <a:extLst>
+              <a:ext uri="{FF2B5EF4-FFF2-40B4-BE49-F238E27FC236}">
+                <a16:creationId xmlns:a16="http://schemas.microsoft.com/office/drawing/2014/main" id="{20E05122-AD85-6060-3FF4-4E00AA3B9E97}"/>
+              </a:ext>
+            </a:extLst>
+          </p:cNvPr>
+          <p:cNvPicPr>
+            <a:picLocks noChangeAspect="1"/>
+          </p:cNvPicPr>
+          <p:nvPr/>
+        </p:nvPicPr>
+        <p:blipFill>
+          <a:blip r:embed="rId3"/>
+          <a:stretch>
+            <a:fillRect/>
+          </a:stretch>
+        </p:blipFill>
+        <p:spPr>
+          <a:xfrm>
+            <a:off x="4784285" y="335565"/>
+            <a:ext cx="704850" cy="828675"/>
+          </a:xfrm>
+          <a:prstGeom prst="rect">
+            <a:avLst/>
+          </a:prstGeom>
+        </p:spPr>
+      </p:pic>
+      <p:sp>
+        <p:nvSpPr>
+          <p:cNvPr id="7" name="CuadroTexto 6">
+            <a:extLst>
+              <a:ext uri="{FF2B5EF4-FFF2-40B4-BE49-F238E27FC236}">
+                <a16:creationId xmlns:a16="http://schemas.microsoft.com/office/drawing/2014/main" id="{B4002239-3EB4-8983-FEBC-210BDBA96CC8}"/>
+              </a:ext>
+            </a:extLst>
+          </p:cNvPr>
+          <p:cNvSpPr txBox="1"/>
+          <p:nvPr/>
+        </p:nvSpPr>
+        <p:spPr>
+          <a:xfrm>
+            <a:off x="5724526" y="360868"/>
+            <a:ext cx="2362200" cy="738664"/>
+          </a:xfrm>
+          <a:prstGeom prst="rect">
+            <a:avLst/>
+          </a:prstGeom>
+          <a:noFill/>
+        </p:spPr>
+        <p:txBody>
+          <a:bodyPr wrap="square">
+            <a:spAutoFit/>
+          </a:bodyPr>
+          <a:lstStyle/>
+          <a:p>
+            <a:r>
+              <a:rPr lang="es-ES" sz="1400" dirty="0">
+                <a:solidFill>
+                  <a:schemeClr val="tx1"/>
+                </a:solidFill>
+                <a:latin typeface="Arial Nova Light" panose="020B0304020202020204" pitchFamily="34" charset="0"/>
+              </a:rPr>
+              <a:t>Configura la matriz de trazabilidad con un conjunto de requisitos y los </a:t>
+            </a:r>
+            <a:r>
+              <a:rPr lang="es-ES" sz="1400" dirty="0" err="1">
+                <a:solidFill>
+                  <a:schemeClr val="tx1"/>
+                </a:solidFill>
+                <a:latin typeface="Arial Nova Light" panose="020B0304020202020204" pitchFamily="34" charset="0"/>
+              </a:rPr>
+              <a:t>tests</a:t>
+            </a:r>
+            <a:endParaRPr lang="en-US" sz="1400" dirty="0">
+              <a:solidFill>
+                <a:schemeClr val="tx1"/>
+              </a:solidFill>
+              <a:latin typeface="Arial Nova Light" panose="020B0304020202020204" pitchFamily="34" charset="0"/>
+            </a:endParaRPr>
           </a:p>
         </p:txBody>
       </p:sp>
@@ -25430,7 +25742,7 @@
                 </a:solidFill>
                 <a:latin typeface="Arial Nova Light" panose="020B0304020202020204" pitchFamily="34" charset="0"/>
               </a:rPr>
-              <a:t>Compruébalo:</a:t>
+              <a:t>Vamos a analizar:</a:t>
             </a:r>
           </a:p>
           <a:p>
@@ -25441,7 +25753,7 @@
                 </a:solidFill>
                 <a:latin typeface="Arial Nova Light" panose="020B0304020202020204" pitchFamily="34" charset="0"/>
               </a:rPr>
-              <a:t>Editor de Requisitos.</a:t>
+              <a:t>El editor de Requisitos.</a:t>
             </a:r>
           </a:p>
           <a:p>
@@ -25452,7 +25764,7 @@
                 </a:solidFill>
                 <a:latin typeface="Arial Nova Light" panose="020B0304020202020204" pitchFamily="34" charset="0"/>
               </a:rPr>
-              <a:t>Requisitos en Simulink.</a:t>
+              <a:t>Y los requisitos en Simulink.</a:t>
             </a:r>
             <a:endParaRPr lang="es-ES" i="0" dirty="0">
               <a:solidFill>
@@ -25479,8 +25791,8 @@
         </p:nvSpPr>
         <p:spPr bwMode="auto">
           <a:xfrm>
-            <a:off x="422030" y="3040787"/>
-            <a:ext cx="8299939" cy="1006660"/>
+            <a:off x="422030" y="2856122"/>
+            <a:ext cx="8299939" cy="1375991"/>
           </a:xfrm>
           <a:prstGeom prst="rect">
             <a:avLst/>
@@ -25627,7 +25939,7 @@
                 </a:solidFill>
                 <a:latin typeface="Roboto" panose="02000000000000000000" pitchFamily="2" charset="0"/>
               </a:rPr>
-              <a:t>slreqCCProjectStart</a:t>
+              <a:t>openProject</a:t>
             </a:r>
             <a:r>
               <a:rPr lang="es-ES" altLang="es-ES" sz="2400" dirty="0">
@@ -25636,7 +25948,61 @@
                 </a:solidFill>
                 <a:latin typeface="Roboto" panose="02000000000000000000" pitchFamily="2" charset="0"/>
               </a:rPr>
-              <a:t> en MATLAB)</a:t>
+              <a:t>("</a:t>
+            </a:r>
+            <a:r>
+              <a:rPr lang="es-ES" altLang="es-ES" sz="2400" dirty="0" err="1">
+                <a:solidFill>
+                  <a:srgbClr val="C05708"/>
+                </a:solidFill>
+                <a:latin typeface="Roboto" panose="02000000000000000000" pitchFamily="2" charset="0"/>
+              </a:rPr>
+              <a:t>CruiseRequirementsExample</a:t>
+            </a:r>
+            <a:r>
+              <a:rPr lang="es-ES" altLang="es-ES" sz="2400" dirty="0">
+                <a:solidFill>
+                  <a:srgbClr val="C05708"/>
+                </a:solidFill>
+                <a:latin typeface="Roboto" panose="02000000000000000000" pitchFamily="2" charset="0"/>
+              </a:rPr>
+              <a:t>") en el </a:t>
+            </a:r>
+            <a:r>
+              <a:rPr lang="es-ES" altLang="es-ES" sz="2400" dirty="0" err="1">
+                <a:solidFill>
+                  <a:srgbClr val="C05708"/>
+                </a:solidFill>
+                <a:latin typeface="Roboto" panose="02000000000000000000" pitchFamily="2" charset="0"/>
+              </a:rPr>
+              <a:t>command</a:t>
+            </a:r>
+            <a:r>
+              <a:rPr lang="es-ES" altLang="es-ES" sz="2400" dirty="0">
+                <a:solidFill>
+                  <a:srgbClr val="C05708"/>
+                </a:solidFill>
+                <a:latin typeface="Roboto" panose="02000000000000000000" pitchFamily="2" charset="0"/>
+              </a:rPr>
+              <a:t> </a:t>
+            </a:r>
+            <a:r>
+              <a:rPr lang="es-ES" altLang="es-ES" sz="2400" dirty="0" err="1">
+                <a:solidFill>
+                  <a:srgbClr val="C05708"/>
+                </a:solidFill>
+                <a:latin typeface="Roboto" panose="02000000000000000000" pitchFamily="2" charset="0"/>
+              </a:rPr>
+              <a:t>window</a:t>
+            </a:r>
+            <a:r>
+              <a:rPr lang="es-ES" altLang="es-ES" sz="2400" dirty="0">
+                <a:solidFill>
+                  <a:srgbClr val="C05708"/>
+                </a:solidFill>
+                <a:latin typeface="Roboto" panose="02000000000000000000" pitchFamily="2" charset="0"/>
+              </a:rPr>
+              <a:t> de MATLAB)</a:t>
             </a:r>
             <a:endParaRPr kumimoji="0" lang="es-ES" altLang="es-ES" sz="2400" b="0" i="0" u="none" strike="noStrike" cap="none" normalizeH="0" baseline="0" dirty="0">
               <a:ln>
@@ -25965,16 +26331,43 @@
           <a:lstStyle/>
           <a:p>
             <a:r>
-              <a:rPr lang="es-ES" dirty="0">
+              <a:rPr lang="es-ES" sz="2000" dirty="0">
                 <a:solidFill>
                   <a:schemeClr val="tx1"/>
                 </a:solidFill>
                 <a:latin typeface="Arial Nova Light" panose="020B0304020202020204" pitchFamily="34" charset="0"/>
               </a:rPr>
-              <a:t>El editor de requisitos es la herramienta principal para crear, organizar y editar requisitos.</a:t>
-            </a:r>
-            <a:r>
-              <a:rPr lang="en-US" dirty="0">
+              <a:t>El editor de requisitos es la herramienta principal para crear, organizar y editar requisitos (fichero </a:t>
+            </a:r>
+            <a:r>
+              <a:rPr lang="en-US" sz="2000" dirty="0">
+                <a:solidFill>
+                  <a:schemeClr val="tx1"/>
+                </a:solidFill>
+                <a:latin typeface="Arial Nova Light" panose="020B0304020202020204" pitchFamily="34" charset="0"/>
+              </a:rPr>
+              <a:t>\documents\</a:t>
+            </a:r>
+            <a:r>
+              <a:rPr lang="en-US" sz="2000" dirty="0" err="1">
+                <a:solidFill>
+                  <a:schemeClr val="tx1"/>
+                </a:solidFill>
+                <a:latin typeface="Arial Nova Light" panose="020B0304020202020204" pitchFamily="34" charset="0"/>
+              </a:rPr>
+              <a:t>crs_req.slreqx</a:t>
+            </a:r>
+            <a:r>
+              <a:rPr lang="es-ES" sz="2000" dirty="0">
+                <a:solidFill>
+                  <a:schemeClr val="tx1"/>
+                </a:solidFill>
+                <a:latin typeface="Arial Nova Light" panose="020B0304020202020204" pitchFamily="34" charset="0"/>
+              </a:rPr>
+              <a:t>).</a:t>
+            </a:r>
+            <a:r>
+              <a:rPr lang="en-US" sz="2000" dirty="0">
                 <a:solidFill>
                   <a:schemeClr val="tx1"/>
                 </a:solidFill>

--- a/2_PHASE3_Requirements/docs/2.2 Requirements management in MATLAB_ES.pptx
+++ b/2_PHASE3_Requirements/docs/2.2 Requirements management in MATLAB_ES.pptx
@@ -319,7 +319,7 @@
           <a:p>
             <a:fld id="{DE2F9ED7-D9DF-9B4A-A1AC-9FBF0C9B1C8E}" type="datetime1">
               <a:rPr lang="es-ES" smtClean="0"/>
-              <a:t>29/02/2024</a:t>
+              <a:t>06/03/2024</a:t>
             </a:fld>
             <a:endParaRPr lang="en-US"/>
           </a:p>
@@ -489,7 +489,7 @@
           <a:p>
             <a:fld id="{FEDC53B6-CB23-B545-A702-0812837A95EA}" type="datetime1">
               <a:rPr lang="es-ES" smtClean="0"/>
-              <a:t>29/02/2024</a:t>
+              <a:t>06/03/2024</a:t>
             </a:fld>
             <a:endParaRPr lang="en-US"/>
           </a:p>
@@ -25791,8 +25791,8 @@
         </p:nvSpPr>
         <p:spPr bwMode="auto">
           <a:xfrm>
-            <a:off x="422030" y="2856122"/>
-            <a:ext cx="8299939" cy="1375991"/>
+            <a:off x="422030" y="2486790"/>
+            <a:ext cx="8299939" cy="2114655"/>
           </a:xfrm>
           <a:prstGeom prst="rect">
             <a:avLst/>
@@ -26002,7 +26002,7 @@
                 </a:solidFill>
                 <a:latin typeface="Roboto" panose="02000000000000000000" pitchFamily="2" charset="0"/>
               </a:rPr>
-              <a:t> de MATLAB)</a:t>
+              <a:t> de MATLAB O accede a https://es.mathworks.com/help/slrequirements/gs/link-blocks-and-requirements.html)</a:t>
             </a:r>
             <a:endParaRPr kumimoji="0" lang="es-ES" altLang="es-ES" sz="2400" b="0" i="0" u="none" strike="noStrike" cap="none" normalizeH="0" baseline="0" dirty="0">
               <a:ln>
